--- a/June_Batch/2CSS/June-2022/30-06-22/CSS.pptx
+++ b/June_Batch/2CSS/June-2022/30-06-22/CSS.pptx
@@ -21,17 +21,6 @@
     <p:sldId id="434" r:id="rId15"/>
     <p:sldId id="370" r:id="rId16"/>
     <p:sldId id="371" r:id="rId17"/>
-    <p:sldId id="372" r:id="rId18"/>
-    <p:sldId id="410" r:id="rId19"/>
-    <p:sldId id="411" r:id="rId20"/>
-    <p:sldId id="412" r:id="rId21"/>
-    <p:sldId id="414" r:id="rId22"/>
-    <p:sldId id="415" r:id="rId23"/>
-    <p:sldId id="416" r:id="rId24"/>
-    <p:sldId id="417" r:id="rId25"/>
-    <p:sldId id="418" r:id="rId26"/>
-    <p:sldId id="419" r:id="rId27"/>
-    <p:sldId id="420" r:id="rId28"/>
   </p:sldIdLst>
   <p:sldSz cx="12192000" cy="6858000"/>
   <p:notesSz cx="6858000" cy="9144000"/>
@@ -281,7 +270,7 @@
             <a:fld id="{7FCC5AE5-E495-4913-B643-A95A6AFABB00}" type="datetimeFigureOut">
               <a:rPr kumimoji="1" lang="ja-JP" altLang="en-US" smtClean="0"/>
               <a:pPr/>
-              <a:t>2022/6/30</a:t>
+              <a:t>2022/7/1</a:t>
             </a:fld>
             <a:endParaRPr kumimoji="1" lang="ja-JP" altLang="en-US"/>
           </a:p>
@@ -453,7 +442,7 @@
             <a:fld id="{7FCC5AE5-E495-4913-B643-A95A6AFABB00}" type="datetimeFigureOut">
               <a:rPr kumimoji="1" lang="ja-JP" altLang="en-US" smtClean="0"/>
               <a:pPr/>
-              <a:t>2022/6/30</a:t>
+              <a:t>2022/7/1</a:t>
             </a:fld>
             <a:endParaRPr kumimoji="1" lang="ja-JP" altLang="en-US"/>
           </a:p>
@@ -635,7 +624,7 @@
             <a:fld id="{7FCC5AE5-E495-4913-B643-A95A6AFABB00}" type="datetimeFigureOut">
               <a:rPr kumimoji="1" lang="ja-JP" altLang="en-US" smtClean="0"/>
               <a:pPr/>
-              <a:t>2022/6/30</a:t>
+              <a:t>2022/7/1</a:t>
             </a:fld>
             <a:endParaRPr kumimoji="1" lang="ja-JP" altLang="en-US"/>
           </a:p>
@@ -807,7 +796,7 @@
             <a:fld id="{7FCC5AE5-E495-4913-B643-A95A6AFABB00}" type="datetimeFigureOut">
               <a:rPr kumimoji="1" lang="ja-JP" altLang="en-US" smtClean="0"/>
               <a:pPr/>
-              <a:t>2022/6/30</a:t>
+              <a:t>2022/7/1</a:t>
             </a:fld>
             <a:endParaRPr kumimoji="1" lang="ja-JP" altLang="en-US"/>
           </a:p>
@@ -1055,7 +1044,7 @@
             <a:fld id="{7FCC5AE5-E495-4913-B643-A95A6AFABB00}" type="datetimeFigureOut">
               <a:rPr kumimoji="1" lang="ja-JP" altLang="en-US" smtClean="0"/>
               <a:pPr/>
-              <a:t>2022/6/30</a:t>
+              <a:t>2022/7/1</a:t>
             </a:fld>
             <a:endParaRPr kumimoji="1" lang="ja-JP" altLang="en-US"/>
           </a:p>
@@ -1289,7 +1278,7 @@
             <a:fld id="{7FCC5AE5-E495-4913-B643-A95A6AFABB00}" type="datetimeFigureOut">
               <a:rPr kumimoji="1" lang="ja-JP" altLang="en-US" smtClean="0"/>
               <a:pPr/>
-              <a:t>2022/6/30</a:t>
+              <a:t>2022/7/1</a:t>
             </a:fld>
             <a:endParaRPr kumimoji="1" lang="ja-JP" altLang="en-US"/>
           </a:p>
@@ -1658,7 +1647,7 @@
             <a:fld id="{7FCC5AE5-E495-4913-B643-A95A6AFABB00}" type="datetimeFigureOut">
               <a:rPr kumimoji="1" lang="ja-JP" altLang="en-US" smtClean="0"/>
               <a:pPr/>
-              <a:t>2022/6/30</a:t>
+              <a:t>2022/7/1</a:t>
             </a:fld>
             <a:endParaRPr kumimoji="1" lang="ja-JP" altLang="en-US"/>
           </a:p>
@@ -1778,7 +1767,7 @@
             <a:fld id="{7FCC5AE5-E495-4913-B643-A95A6AFABB00}" type="datetimeFigureOut">
               <a:rPr kumimoji="1" lang="ja-JP" altLang="en-US" smtClean="0"/>
               <a:pPr/>
-              <a:t>2022/6/30</a:t>
+              <a:t>2022/7/1</a:t>
             </a:fld>
             <a:endParaRPr kumimoji="1" lang="ja-JP" altLang="en-US"/>
           </a:p>
@@ -1875,7 +1864,7 @@
             <a:fld id="{7FCC5AE5-E495-4913-B643-A95A6AFABB00}" type="datetimeFigureOut">
               <a:rPr kumimoji="1" lang="ja-JP" altLang="en-US" smtClean="0"/>
               <a:pPr/>
-              <a:t>2022/6/30</a:t>
+              <a:t>2022/7/1</a:t>
             </a:fld>
             <a:endParaRPr kumimoji="1" lang="ja-JP" altLang="en-US"/>
           </a:p>
@@ -2154,7 +2143,7 @@
             <a:fld id="{7FCC5AE5-E495-4913-B643-A95A6AFABB00}" type="datetimeFigureOut">
               <a:rPr kumimoji="1" lang="ja-JP" altLang="en-US" smtClean="0"/>
               <a:pPr/>
-              <a:t>2022/6/30</a:t>
+              <a:t>2022/7/1</a:t>
             </a:fld>
             <a:endParaRPr kumimoji="1" lang="ja-JP" altLang="en-US"/>
           </a:p>
@@ -2413,7 +2402,7 @@
             <a:fld id="{7FCC5AE5-E495-4913-B643-A95A6AFABB00}" type="datetimeFigureOut">
               <a:rPr kumimoji="1" lang="ja-JP" altLang="en-US" smtClean="0"/>
               <a:pPr/>
-              <a:t>2022/6/30</a:t>
+              <a:t>2022/7/1</a:t>
             </a:fld>
             <a:endParaRPr kumimoji="1" lang="ja-JP" altLang="en-US"/>
           </a:p>
@@ -2628,7 +2617,7 @@
             <a:fld id="{7FCC5AE5-E495-4913-B643-A95A6AFABB00}" type="datetimeFigureOut">
               <a:rPr kumimoji="1" lang="ja-JP" altLang="en-US" smtClean="0"/>
               <a:pPr/>
-              <a:t>2022/6/30</a:t>
+              <a:t>2022/7/1</a:t>
             </a:fld>
             <a:endParaRPr kumimoji="1" lang="ja-JP" altLang="en-US"/>
           </a:p>
@@ -4967,1193 +4956,6 @@
 </p:sld>
 </file>
 
-<file path=ppt/slides/slide17.xml><?xml version="1.0" encoding="utf-8"?>
-<p:sld xmlns:a="http://schemas.openxmlformats.org/drawingml/2006/main" xmlns:r="http://schemas.openxmlformats.org/officeDocument/2006/relationships" xmlns:p="http://schemas.openxmlformats.org/presentationml/2006/main">
-  <p:cSld>
-    <p:spTree>
-      <p:nvGrpSpPr>
-        <p:cNvPr id="1" name=""/>
-        <p:cNvGrpSpPr/>
-        <p:nvPr/>
-      </p:nvGrpSpPr>
-      <p:grpSpPr>
-        <a:xfrm>
-          <a:off x="0" y="0"/>
-          <a:ext cx="0" cy="0"/>
-          <a:chOff x="0" y="0"/>
-          <a:chExt cx="0" cy="0"/>
-        </a:xfrm>
-      </p:grpSpPr>
-      <p:sp>
-        <p:nvSpPr>
-          <p:cNvPr id="4" name="Content Placeholder 13"/>
-          <p:cNvSpPr txBox="1">
-            <a:spLocks/>
-          </p:cNvSpPr>
-          <p:nvPr/>
-        </p:nvSpPr>
-        <p:spPr>
-          <a:xfrm>
-            <a:off x="321126" y="135993"/>
-            <a:ext cx="9791700" cy="630192"/>
-          </a:xfrm>
-          <a:prstGeom prst="rect">
-            <a:avLst/>
-          </a:prstGeom>
-        </p:spPr>
-        <p:txBody>
-          <a:bodyPr vert="horz" lIns="91440" tIns="45720" rIns="91440" bIns="45720" rtlCol="0">
-            <a:noAutofit/>
-          </a:bodyPr>
-          <a:lstStyle>
-            <a:lvl1pPr marL="0" indent="0" algn="ctr" defTabSz="914400" rtl="0" eaLnBrk="1" latinLnBrk="0" hangingPunct="1">
-              <a:lnSpc>
-                <a:spcPct val="90000"/>
-              </a:lnSpc>
-              <a:spcBef>
-                <a:spcPts val="1000"/>
-              </a:spcBef>
-              <a:buFont typeface="Arial" panose="020B0604020202020204" pitchFamily="34" charset="0"/>
-              <a:buNone/>
-              <a:defRPr kumimoji="1" sz="2400" kern="1200">
-                <a:solidFill>
-                  <a:schemeClr val="tx1"/>
-                </a:solidFill>
-                <a:latin typeface="+mn-lt"/>
-                <a:ea typeface="+mn-ea"/>
-                <a:cs typeface="+mn-cs"/>
-              </a:defRPr>
-            </a:lvl1pPr>
-            <a:lvl2pPr marL="457200" indent="0" algn="ctr" defTabSz="914400" rtl="0" eaLnBrk="1" latinLnBrk="0" hangingPunct="1">
-              <a:lnSpc>
-                <a:spcPct val="90000"/>
-              </a:lnSpc>
-              <a:spcBef>
-                <a:spcPts val="500"/>
-              </a:spcBef>
-              <a:buFont typeface="Arial" panose="020B0604020202020204" pitchFamily="34" charset="0"/>
-              <a:buNone/>
-              <a:defRPr kumimoji="1" sz="2000" kern="1200">
-                <a:solidFill>
-                  <a:schemeClr val="tx1"/>
-                </a:solidFill>
-                <a:latin typeface="+mn-lt"/>
-                <a:ea typeface="+mn-ea"/>
-                <a:cs typeface="+mn-cs"/>
-              </a:defRPr>
-            </a:lvl2pPr>
-            <a:lvl3pPr marL="914400" indent="0" algn="ctr" defTabSz="914400" rtl="0" eaLnBrk="1" latinLnBrk="0" hangingPunct="1">
-              <a:lnSpc>
-                <a:spcPct val="90000"/>
-              </a:lnSpc>
-              <a:spcBef>
-                <a:spcPts val="500"/>
-              </a:spcBef>
-              <a:buFont typeface="Arial" panose="020B0604020202020204" pitchFamily="34" charset="0"/>
-              <a:buNone/>
-              <a:defRPr kumimoji="1" sz="1800" kern="1200">
-                <a:solidFill>
-                  <a:schemeClr val="tx1"/>
-                </a:solidFill>
-                <a:latin typeface="+mn-lt"/>
-                <a:ea typeface="+mn-ea"/>
-                <a:cs typeface="+mn-cs"/>
-              </a:defRPr>
-            </a:lvl3pPr>
-            <a:lvl4pPr marL="1371600" indent="0" algn="ctr" defTabSz="914400" rtl="0" eaLnBrk="1" latinLnBrk="0" hangingPunct="1">
-              <a:lnSpc>
-                <a:spcPct val="90000"/>
-              </a:lnSpc>
-              <a:spcBef>
-                <a:spcPts val="500"/>
-              </a:spcBef>
-              <a:buFont typeface="Arial" panose="020B0604020202020204" pitchFamily="34" charset="0"/>
-              <a:buNone/>
-              <a:defRPr kumimoji="1" sz="1600" kern="1200">
-                <a:solidFill>
-                  <a:schemeClr val="tx1"/>
-                </a:solidFill>
-                <a:latin typeface="+mn-lt"/>
-                <a:ea typeface="+mn-ea"/>
-                <a:cs typeface="+mn-cs"/>
-              </a:defRPr>
-            </a:lvl4pPr>
-            <a:lvl5pPr marL="1828800" indent="0" algn="ctr" defTabSz="914400" rtl="0" eaLnBrk="1" latinLnBrk="0" hangingPunct="1">
-              <a:lnSpc>
-                <a:spcPct val="90000"/>
-              </a:lnSpc>
-              <a:spcBef>
-                <a:spcPts val="500"/>
-              </a:spcBef>
-              <a:buFont typeface="Arial" panose="020B0604020202020204" pitchFamily="34" charset="0"/>
-              <a:buNone/>
-              <a:defRPr kumimoji="1" sz="1600" kern="1200">
-                <a:solidFill>
-                  <a:schemeClr val="tx1"/>
-                </a:solidFill>
-                <a:latin typeface="+mn-lt"/>
-                <a:ea typeface="+mn-ea"/>
-                <a:cs typeface="+mn-cs"/>
-              </a:defRPr>
-            </a:lvl5pPr>
-            <a:lvl6pPr marL="2286000" indent="0" algn="ctr" defTabSz="914400" rtl="0" eaLnBrk="1" latinLnBrk="0" hangingPunct="1">
-              <a:lnSpc>
-                <a:spcPct val="90000"/>
-              </a:lnSpc>
-              <a:spcBef>
-                <a:spcPts val="500"/>
-              </a:spcBef>
-              <a:buFont typeface="Arial" panose="020B0604020202020204" pitchFamily="34" charset="0"/>
-              <a:buNone/>
-              <a:defRPr kumimoji="1" sz="1600" kern="1200">
-                <a:solidFill>
-                  <a:schemeClr val="tx1"/>
-                </a:solidFill>
-                <a:latin typeface="+mn-lt"/>
-                <a:ea typeface="+mn-ea"/>
-                <a:cs typeface="+mn-cs"/>
-              </a:defRPr>
-            </a:lvl6pPr>
-            <a:lvl7pPr marL="2743200" indent="0" algn="ctr" defTabSz="914400" rtl="0" eaLnBrk="1" latinLnBrk="0" hangingPunct="1">
-              <a:lnSpc>
-                <a:spcPct val="90000"/>
-              </a:lnSpc>
-              <a:spcBef>
-                <a:spcPts val="500"/>
-              </a:spcBef>
-              <a:buFont typeface="Arial" panose="020B0604020202020204" pitchFamily="34" charset="0"/>
-              <a:buNone/>
-              <a:defRPr kumimoji="1" sz="1600" kern="1200">
-                <a:solidFill>
-                  <a:schemeClr val="tx1"/>
-                </a:solidFill>
-                <a:latin typeface="+mn-lt"/>
-                <a:ea typeface="+mn-ea"/>
-                <a:cs typeface="+mn-cs"/>
-              </a:defRPr>
-            </a:lvl7pPr>
-            <a:lvl8pPr marL="3200400" indent="0" algn="ctr" defTabSz="914400" rtl="0" eaLnBrk="1" latinLnBrk="0" hangingPunct="1">
-              <a:lnSpc>
-                <a:spcPct val="90000"/>
-              </a:lnSpc>
-              <a:spcBef>
-                <a:spcPts val="500"/>
-              </a:spcBef>
-              <a:buFont typeface="Arial" panose="020B0604020202020204" pitchFamily="34" charset="0"/>
-              <a:buNone/>
-              <a:defRPr kumimoji="1" sz="1600" kern="1200">
-                <a:solidFill>
-                  <a:schemeClr val="tx1"/>
-                </a:solidFill>
-                <a:latin typeface="+mn-lt"/>
-                <a:ea typeface="+mn-ea"/>
-                <a:cs typeface="+mn-cs"/>
-              </a:defRPr>
-            </a:lvl8pPr>
-            <a:lvl9pPr marL="3657600" indent="0" algn="ctr" defTabSz="914400" rtl="0" eaLnBrk="1" latinLnBrk="0" hangingPunct="1">
-              <a:lnSpc>
-                <a:spcPct val="90000"/>
-              </a:lnSpc>
-              <a:spcBef>
-                <a:spcPts val="500"/>
-              </a:spcBef>
-              <a:buFont typeface="Arial" panose="020B0604020202020204" pitchFamily="34" charset="0"/>
-              <a:buNone/>
-              <a:defRPr kumimoji="1" sz="1600" kern="1200">
-                <a:solidFill>
-                  <a:schemeClr val="tx1"/>
-                </a:solidFill>
-                <a:latin typeface="+mn-lt"/>
-                <a:ea typeface="+mn-ea"/>
-                <a:cs typeface="+mn-cs"/>
-              </a:defRPr>
-            </a:lvl9pPr>
-          </a:lstStyle>
-          <a:p>
-            <a:pPr algn="l"/>
-            <a:r>
-              <a:rPr lang="en-US" sz="3600" b="1" dirty="0" smtClean="0">
-                <a:solidFill>
-                  <a:srgbClr val="0064B5"/>
-                </a:solidFill>
-              </a:rPr>
-              <a:t>CSS Selectors</a:t>
-            </a:r>
-          </a:p>
-        </p:txBody>
-      </p:sp>
-      <p:sp>
-        <p:nvSpPr>
-          <p:cNvPr id="8" name="Rectangle 7"/>
-          <p:cNvSpPr/>
-          <p:nvPr/>
-        </p:nvSpPr>
-        <p:spPr>
-          <a:xfrm>
-            <a:off x="376383" y="802821"/>
-            <a:ext cx="9362840" cy="3831818"/>
-          </a:xfrm>
-          <a:prstGeom prst="rect">
-            <a:avLst/>
-          </a:prstGeom>
-        </p:spPr>
-        <p:txBody>
-          <a:bodyPr wrap="square">
-            <a:spAutoFit/>
-          </a:bodyPr>
-          <a:lstStyle/>
-          <a:p>
-            <a:pPr marL="285750" indent="-285750">
-              <a:lnSpc>
-                <a:spcPct val="150000"/>
-              </a:lnSpc>
-            </a:pPr>
-            <a:r>
-              <a:rPr lang="en-US" b="1" u="sng" dirty="0" smtClean="0"/>
-              <a:t>CSS Universal Selector:</a:t>
-            </a:r>
-            <a:r>
-              <a:rPr lang="en-US" dirty="0" smtClean="0"/>
-              <a:t> -  </a:t>
-            </a:r>
-            <a:r>
-              <a:rPr lang="en-US" sz="1600" dirty="0" smtClean="0"/>
-              <a:t>CSS rule below will affect every HTML element on the page</a:t>
-            </a:r>
-            <a:endParaRPr lang="en-US" dirty="0" smtClean="0"/>
-          </a:p>
-          <a:p>
-            <a:pPr marL="285750" indent="-285750">
-              <a:lnSpc>
-                <a:spcPct val="150000"/>
-              </a:lnSpc>
-            </a:pPr>
-            <a:endParaRPr lang="en-IN" b="1" u="sng" dirty="0" smtClean="0"/>
-          </a:p>
-          <a:p>
-            <a:pPr marL="285750" indent="-285750">
-              <a:lnSpc>
-                <a:spcPct val="150000"/>
-              </a:lnSpc>
-            </a:pPr>
-            <a:endParaRPr lang="en-IN" b="1" u="sng" dirty="0" smtClean="0"/>
-          </a:p>
-          <a:p>
-            <a:pPr marL="285750" indent="-285750">
-              <a:lnSpc>
-                <a:spcPct val="150000"/>
-              </a:lnSpc>
-            </a:pPr>
-            <a:endParaRPr lang="en-IN" b="1" u="sng" dirty="0" smtClean="0"/>
-          </a:p>
-          <a:p>
-            <a:pPr marL="285750" indent="-285750">
-              <a:lnSpc>
-                <a:spcPct val="150000"/>
-              </a:lnSpc>
-            </a:pPr>
-            <a:r>
-              <a:rPr lang="en-US" b="1" u="sng" dirty="0" smtClean="0"/>
-              <a:t>CSS Grouping Selector</a:t>
-            </a:r>
-          </a:p>
-          <a:p>
-            <a:pPr marL="285750" indent="-285750">
-              <a:lnSpc>
-                <a:spcPct val="150000"/>
-              </a:lnSpc>
-            </a:pPr>
-            <a:endParaRPr lang="en-US" b="1" u="sng" dirty="0" smtClean="0"/>
-          </a:p>
-          <a:p>
-            <a:pPr marL="285750" indent="-285750">
-              <a:lnSpc>
-                <a:spcPct val="150000"/>
-              </a:lnSpc>
-            </a:pPr>
-            <a:endParaRPr lang="en-US" dirty="0" smtClean="0"/>
-          </a:p>
-          <a:p>
-            <a:pPr marL="285750" indent="-285750">
-              <a:lnSpc>
-                <a:spcPct val="150000"/>
-              </a:lnSpc>
-            </a:pPr>
-            <a:endParaRPr lang="en-US" dirty="0" smtClean="0"/>
-          </a:p>
-          <a:p>
-            <a:pPr marL="285750" indent="-285750">
-              <a:lnSpc>
-                <a:spcPct val="150000"/>
-              </a:lnSpc>
-            </a:pPr>
-            <a:endParaRPr lang="en-US" b="1" u="sng" dirty="0"/>
-          </a:p>
-        </p:txBody>
-      </p:sp>
-      <p:sp>
-        <p:nvSpPr>
-          <p:cNvPr id="11" name="Rectangle 10">
-            <a:extLst>
-              <a:ext uri="{FF2B5EF4-FFF2-40B4-BE49-F238E27FC236}">
-                <a16:creationId xmlns="" xmlns:a16="http://schemas.microsoft.com/office/drawing/2014/main" id="{206016ED-72BE-418C-807D-52DC06FF490C}"/>
-              </a:ext>
-            </a:extLst>
-          </p:cNvPr>
-          <p:cNvSpPr/>
-          <p:nvPr/>
-        </p:nvSpPr>
-        <p:spPr>
-          <a:xfrm>
-            <a:off x="457307" y="1293961"/>
-            <a:ext cx="3597108" cy="1035171"/>
-          </a:xfrm>
-          <a:prstGeom prst="rect">
-            <a:avLst/>
-          </a:prstGeom>
-          <a:gradFill flip="none" rotWithShape="1">
-            <a:gsLst>
-              <a:gs pos="0">
-                <a:schemeClr val="bg2"/>
-              </a:gs>
-              <a:gs pos="50000">
-                <a:schemeClr val="accent3">
-                  <a:lumMod val="20000"/>
-                  <a:lumOff val="80000"/>
-                  <a:shade val="67500"/>
-                  <a:satMod val="115000"/>
-                </a:schemeClr>
-              </a:gs>
-              <a:gs pos="100000">
-                <a:schemeClr val="accent3">
-                  <a:lumMod val="20000"/>
-                  <a:lumOff val="80000"/>
-                  <a:shade val="100000"/>
-                  <a:satMod val="115000"/>
-                </a:schemeClr>
-              </a:gs>
-            </a:gsLst>
-            <a:lin ang="6600000" scaled="0"/>
-            <a:tileRect/>
-          </a:gradFill>
-          <a:ln>
-            <a:solidFill>
-              <a:schemeClr val="tx1">
-                <a:lumMod val="50000"/>
-                <a:lumOff val="50000"/>
-              </a:schemeClr>
-            </a:solidFill>
-          </a:ln>
-        </p:spPr>
-        <p:style>
-          <a:lnRef idx="2">
-            <a:schemeClr val="accent1">
-              <a:shade val="50000"/>
-            </a:schemeClr>
-          </a:lnRef>
-          <a:fillRef idx="1">
-            <a:schemeClr val="accent1"/>
-          </a:fillRef>
-          <a:effectRef idx="0">
-            <a:schemeClr val="accent1"/>
-          </a:effectRef>
-          <a:fontRef idx="minor">
-            <a:schemeClr val="lt1"/>
-          </a:fontRef>
-        </p:style>
-        <p:txBody>
-          <a:bodyPr rtlCol="0" anchor="ctr"/>
-          <a:lstStyle/>
-          <a:p>
-            <a:r>
-              <a:rPr lang="en-US" sz="1600" dirty="0" smtClean="0">
-                <a:solidFill>
-                  <a:schemeClr val="dk1"/>
-                </a:solidFill>
-              </a:rPr>
-              <a:t>* {</a:t>
-            </a:r>
-            <a:br>
-              <a:rPr lang="en-US" sz="1600" dirty="0" smtClean="0">
-                <a:solidFill>
-                  <a:schemeClr val="dk1"/>
-                </a:solidFill>
-              </a:rPr>
-            </a:br>
-            <a:r>
-              <a:rPr lang="en-US" sz="1600" dirty="0" smtClean="0">
-                <a:solidFill>
-                  <a:schemeClr val="dk1"/>
-                </a:solidFill>
-              </a:rPr>
-              <a:t>  text-align: center;</a:t>
-            </a:r>
-            <a:br>
-              <a:rPr lang="en-US" sz="1600" dirty="0" smtClean="0">
-                <a:solidFill>
-                  <a:schemeClr val="dk1"/>
-                </a:solidFill>
-              </a:rPr>
-            </a:br>
-            <a:r>
-              <a:rPr lang="en-US" sz="1600" dirty="0" smtClean="0">
-                <a:solidFill>
-                  <a:schemeClr val="dk1"/>
-                </a:solidFill>
-              </a:rPr>
-              <a:t>  color: blue;</a:t>
-            </a:r>
-            <a:br>
-              <a:rPr lang="en-US" sz="1600" dirty="0" smtClean="0">
-                <a:solidFill>
-                  <a:schemeClr val="dk1"/>
-                </a:solidFill>
-              </a:rPr>
-            </a:br>
-            <a:r>
-              <a:rPr lang="en-US" sz="1600" dirty="0" smtClean="0">
-                <a:solidFill>
-                  <a:schemeClr val="dk1"/>
-                </a:solidFill>
-              </a:rPr>
-              <a:t>}</a:t>
-            </a:r>
-            <a:endParaRPr lang="en-US" sz="1600" dirty="0">
-              <a:solidFill>
-                <a:schemeClr val="dk1"/>
-              </a:solidFill>
-            </a:endParaRPr>
-          </a:p>
-        </p:txBody>
-      </p:sp>
-      <p:sp>
-        <p:nvSpPr>
-          <p:cNvPr id="12" name="Rectangle 11">
-            <a:extLst>
-              <a:ext uri="{FF2B5EF4-FFF2-40B4-BE49-F238E27FC236}">
-                <a16:creationId xmlns="" xmlns:a16="http://schemas.microsoft.com/office/drawing/2014/main" id="{206016ED-72BE-418C-807D-52DC06FF490C}"/>
-              </a:ext>
-            </a:extLst>
-          </p:cNvPr>
-          <p:cNvSpPr/>
-          <p:nvPr/>
-        </p:nvSpPr>
-        <p:spPr>
-          <a:xfrm>
-            <a:off x="437178" y="3131389"/>
-            <a:ext cx="3597108" cy="3045123"/>
-          </a:xfrm>
-          <a:prstGeom prst="rect">
-            <a:avLst/>
-          </a:prstGeom>
-          <a:gradFill flip="none" rotWithShape="1">
-            <a:gsLst>
-              <a:gs pos="0">
-                <a:schemeClr val="bg2"/>
-              </a:gs>
-              <a:gs pos="50000">
-                <a:schemeClr val="accent3">
-                  <a:lumMod val="20000"/>
-                  <a:lumOff val="80000"/>
-                  <a:shade val="67500"/>
-                  <a:satMod val="115000"/>
-                </a:schemeClr>
-              </a:gs>
-              <a:gs pos="100000">
-                <a:schemeClr val="accent3">
-                  <a:lumMod val="20000"/>
-                  <a:lumOff val="80000"/>
-                  <a:shade val="100000"/>
-                  <a:satMod val="115000"/>
-                </a:schemeClr>
-              </a:gs>
-            </a:gsLst>
-            <a:lin ang="6600000" scaled="0"/>
-            <a:tileRect/>
-          </a:gradFill>
-          <a:ln>
-            <a:solidFill>
-              <a:schemeClr val="tx1">
-                <a:lumMod val="50000"/>
-                <a:lumOff val="50000"/>
-              </a:schemeClr>
-            </a:solidFill>
-          </a:ln>
-        </p:spPr>
-        <p:style>
-          <a:lnRef idx="2">
-            <a:schemeClr val="accent1">
-              <a:shade val="50000"/>
-            </a:schemeClr>
-          </a:lnRef>
-          <a:fillRef idx="1">
-            <a:schemeClr val="accent1"/>
-          </a:fillRef>
-          <a:effectRef idx="0">
-            <a:schemeClr val="accent1"/>
-          </a:effectRef>
-          <a:fontRef idx="minor">
-            <a:schemeClr val="lt1"/>
-          </a:fontRef>
-        </p:style>
-        <p:txBody>
-          <a:bodyPr rtlCol="0" anchor="ctr"/>
-          <a:lstStyle/>
-          <a:p>
-            <a:r>
-              <a:rPr lang="es-ES" sz="1400" dirty="0" smtClean="0">
-                <a:solidFill>
-                  <a:schemeClr val="dk1"/>
-                </a:solidFill>
-              </a:rPr>
-              <a:t>h1 {</a:t>
-            </a:r>
-            <a:br>
-              <a:rPr lang="es-ES" sz="1400" dirty="0" smtClean="0">
-                <a:solidFill>
-                  <a:schemeClr val="dk1"/>
-                </a:solidFill>
-              </a:rPr>
-            </a:br>
-            <a:r>
-              <a:rPr lang="es-ES" sz="1400" dirty="0" smtClean="0">
-                <a:solidFill>
-                  <a:schemeClr val="dk1"/>
-                </a:solidFill>
-              </a:rPr>
-              <a:t>  </a:t>
-            </a:r>
-            <a:r>
-              <a:rPr lang="es-ES" sz="1400" dirty="0" err="1" smtClean="0">
-                <a:solidFill>
-                  <a:schemeClr val="dk1"/>
-                </a:solidFill>
-              </a:rPr>
-              <a:t>text-align</a:t>
-            </a:r>
-            <a:r>
-              <a:rPr lang="es-ES" sz="1400" dirty="0" smtClean="0">
-                <a:solidFill>
-                  <a:schemeClr val="dk1"/>
-                </a:solidFill>
-              </a:rPr>
-              <a:t>: center;</a:t>
-            </a:r>
-            <a:br>
-              <a:rPr lang="es-ES" sz="1400" dirty="0" smtClean="0">
-                <a:solidFill>
-                  <a:schemeClr val="dk1"/>
-                </a:solidFill>
-              </a:rPr>
-            </a:br>
-            <a:r>
-              <a:rPr lang="es-ES" sz="1400" dirty="0" smtClean="0">
-                <a:solidFill>
-                  <a:schemeClr val="dk1"/>
-                </a:solidFill>
-              </a:rPr>
-              <a:t>  color: red;</a:t>
-            </a:r>
-            <a:br>
-              <a:rPr lang="es-ES" sz="1400" dirty="0" smtClean="0">
-                <a:solidFill>
-                  <a:schemeClr val="dk1"/>
-                </a:solidFill>
-              </a:rPr>
-            </a:br>
-            <a:r>
-              <a:rPr lang="es-ES" sz="1400" dirty="0" smtClean="0">
-                <a:solidFill>
-                  <a:schemeClr val="dk1"/>
-                </a:solidFill>
-              </a:rPr>
-              <a:t>}</a:t>
-            </a:r>
-            <a:br>
-              <a:rPr lang="es-ES" sz="1400" dirty="0" smtClean="0">
-                <a:solidFill>
-                  <a:schemeClr val="dk1"/>
-                </a:solidFill>
-              </a:rPr>
-            </a:br>
-            <a:r>
-              <a:rPr lang="es-ES" sz="1400" dirty="0" smtClean="0">
-                <a:solidFill>
-                  <a:schemeClr val="dk1"/>
-                </a:solidFill>
-              </a:rPr>
-              <a:t/>
-            </a:r>
-            <a:br>
-              <a:rPr lang="es-ES" sz="1400" dirty="0" smtClean="0">
-                <a:solidFill>
-                  <a:schemeClr val="dk1"/>
-                </a:solidFill>
-              </a:rPr>
-            </a:br>
-            <a:r>
-              <a:rPr lang="es-ES" sz="1400" dirty="0" smtClean="0">
-                <a:solidFill>
-                  <a:schemeClr val="dk1"/>
-                </a:solidFill>
-              </a:rPr>
-              <a:t>h2 {</a:t>
-            </a:r>
-            <a:br>
-              <a:rPr lang="es-ES" sz="1400" dirty="0" smtClean="0">
-                <a:solidFill>
-                  <a:schemeClr val="dk1"/>
-                </a:solidFill>
-              </a:rPr>
-            </a:br>
-            <a:r>
-              <a:rPr lang="es-ES" sz="1400" dirty="0" smtClean="0">
-                <a:solidFill>
-                  <a:schemeClr val="dk1"/>
-                </a:solidFill>
-              </a:rPr>
-              <a:t>  </a:t>
-            </a:r>
-            <a:r>
-              <a:rPr lang="es-ES" sz="1400" dirty="0" err="1" smtClean="0">
-                <a:solidFill>
-                  <a:schemeClr val="dk1"/>
-                </a:solidFill>
-              </a:rPr>
-              <a:t>text-align</a:t>
-            </a:r>
-            <a:r>
-              <a:rPr lang="es-ES" sz="1400" dirty="0" smtClean="0">
-                <a:solidFill>
-                  <a:schemeClr val="dk1"/>
-                </a:solidFill>
-              </a:rPr>
-              <a:t>: center;</a:t>
-            </a:r>
-            <a:br>
-              <a:rPr lang="es-ES" sz="1400" dirty="0" smtClean="0">
-                <a:solidFill>
-                  <a:schemeClr val="dk1"/>
-                </a:solidFill>
-              </a:rPr>
-            </a:br>
-            <a:r>
-              <a:rPr lang="es-ES" sz="1400" dirty="0" smtClean="0">
-                <a:solidFill>
-                  <a:schemeClr val="dk1"/>
-                </a:solidFill>
-              </a:rPr>
-              <a:t>  color: red;</a:t>
-            </a:r>
-            <a:br>
-              <a:rPr lang="es-ES" sz="1400" dirty="0" smtClean="0">
-                <a:solidFill>
-                  <a:schemeClr val="dk1"/>
-                </a:solidFill>
-              </a:rPr>
-            </a:br>
-            <a:r>
-              <a:rPr lang="es-ES" sz="1400" dirty="0" smtClean="0">
-                <a:solidFill>
-                  <a:schemeClr val="dk1"/>
-                </a:solidFill>
-              </a:rPr>
-              <a:t>}</a:t>
-            </a:r>
-            <a:br>
-              <a:rPr lang="es-ES" sz="1400" dirty="0" smtClean="0">
-                <a:solidFill>
-                  <a:schemeClr val="dk1"/>
-                </a:solidFill>
-              </a:rPr>
-            </a:br>
-            <a:r>
-              <a:rPr lang="es-ES" sz="1400" dirty="0" smtClean="0">
-                <a:solidFill>
-                  <a:schemeClr val="dk1"/>
-                </a:solidFill>
-              </a:rPr>
-              <a:t/>
-            </a:r>
-            <a:br>
-              <a:rPr lang="es-ES" sz="1400" dirty="0" smtClean="0">
-                <a:solidFill>
-                  <a:schemeClr val="dk1"/>
-                </a:solidFill>
-              </a:rPr>
-            </a:br>
-            <a:r>
-              <a:rPr lang="es-ES" sz="1400" dirty="0" smtClean="0">
-                <a:solidFill>
-                  <a:schemeClr val="dk1"/>
-                </a:solidFill>
-              </a:rPr>
-              <a:t>p {</a:t>
-            </a:r>
-            <a:br>
-              <a:rPr lang="es-ES" sz="1400" dirty="0" smtClean="0">
-                <a:solidFill>
-                  <a:schemeClr val="dk1"/>
-                </a:solidFill>
-              </a:rPr>
-            </a:br>
-            <a:r>
-              <a:rPr lang="es-ES" sz="1400" dirty="0" smtClean="0">
-                <a:solidFill>
-                  <a:schemeClr val="dk1"/>
-                </a:solidFill>
-              </a:rPr>
-              <a:t>  </a:t>
-            </a:r>
-            <a:r>
-              <a:rPr lang="es-ES" sz="1400" dirty="0" err="1" smtClean="0">
-                <a:solidFill>
-                  <a:schemeClr val="dk1"/>
-                </a:solidFill>
-              </a:rPr>
-              <a:t>text-align</a:t>
-            </a:r>
-            <a:r>
-              <a:rPr lang="es-ES" sz="1400" dirty="0" smtClean="0">
-                <a:solidFill>
-                  <a:schemeClr val="dk1"/>
-                </a:solidFill>
-              </a:rPr>
-              <a:t>: center;</a:t>
-            </a:r>
-            <a:br>
-              <a:rPr lang="es-ES" sz="1400" dirty="0" smtClean="0">
-                <a:solidFill>
-                  <a:schemeClr val="dk1"/>
-                </a:solidFill>
-              </a:rPr>
-            </a:br>
-            <a:r>
-              <a:rPr lang="es-ES" sz="1400" dirty="0" smtClean="0">
-                <a:solidFill>
-                  <a:schemeClr val="dk1"/>
-                </a:solidFill>
-              </a:rPr>
-              <a:t>  color: red;</a:t>
-            </a:r>
-            <a:br>
-              <a:rPr lang="es-ES" sz="1400" dirty="0" smtClean="0">
-                <a:solidFill>
-                  <a:schemeClr val="dk1"/>
-                </a:solidFill>
-              </a:rPr>
-            </a:br>
-            <a:r>
-              <a:rPr lang="es-ES" sz="1400" dirty="0" smtClean="0">
-                <a:solidFill>
-                  <a:schemeClr val="dk1"/>
-                </a:solidFill>
-              </a:rPr>
-              <a:t>}</a:t>
-            </a:r>
-            <a:endParaRPr lang="en-US" sz="1400" dirty="0">
-              <a:solidFill>
-                <a:schemeClr val="dk1"/>
-              </a:solidFill>
-            </a:endParaRPr>
-          </a:p>
-        </p:txBody>
-      </p:sp>
-      <p:sp>
-        <p:nvSpPr>
-          <p:cNvPr id="10" name="Rectangle 9">
-            <a:extLst>
-              <a:ext uri="{FF2B5EF4-FFF2-40B4-BE49-F238E27FC236}">
-                <a16:creationId xmlns="" xmlns:a16="http://schemas.microsoft.com/office/drawing/2014/main" id="{206016ED-72BE-418C-807D-52DC06FF490C}"/>
-              </a:ext>
-            </a:extLst>
-          </p:cNvPr>
-          <p:cNvSpPr/>
-          <p:nvPr/>
-        </p:nvSpPr>
-        <p:spPr>
-          <a:xfrm>
-            <a:off x="7372817" y="3775493"/>
-            <a:ext cx="3597108" cy="1331345"/>
-          </a:xfrm>
-          <a:prstGeom prst="rect">
-            <a:avLst/>
-          </a:prstGeom>
-          <a:gradFill flip="none" rotWithShape="1">
-            <a:gsLst>
-              <a:gs pos="0">
-                <a:schemeClr val="bg2"/>
-              </a:gs>
-              <a:gs pos="50000">
-                <a:schemeClr val="accent3">
-                  <a:lumMod val="20000"/>
-                  <a:lumOff val="80000"/>
-                  <a:shade val="67500"/>
-                  <a:satMod val="115000"/>
-                </a:schemeClr>
-              </a:gs>
-              <a:gs pos="100000">
-                <a:schemeClr val="accent3">
-                  <a:lumMod val="20000"/>
-                  <a:lumOff val="80000"/>
-                  <a:shade val="100000"/>
-                  <a:satMod val="115000"/>
-                </a:schemeClr>
-              </a:gs>
-            </a:gsLst>
-            <a:lin ang="6600000" scaled="0"/>
-            <a:tileRect/>
-          </a:gradFill>
-          <a:ln>
-            <a:solidFill>
-              <a:schemeClr val="tx1">
-                <a:lumMod val="50000"/>
-                <a:lumOff val="50000"/>
-              </a:schemeClr>
-            </a:solidFill>
-          </a:ln>
-        </p:spPr>
-        <p:style>
-          <a:lnRef idx="2">
-            <a:schemeClr val="accent1">
-              <a:shade val="50000"/>
-            </a:schemeClr>
-          </a:lnRef>
-          <a:fillRef idx="1">
-            <a:schemeClr val="accent1"/>
-          </a:fillRef>
-          <a:effectRef idx="0">
-            <a:schemeClr val="accent1"/>
-          </a:effectRef>
-          <a:fontRef idx="minor">
-            <a:schemeClr val="lt1"/>
-          </a:fontRef>
-        </p:style>
-        <p:txBody>
-          <a:bodyPr rtlCol="0" anchor="ctr"/>
-          <a:lstStyle/>
-          <a:p>
-            <a:r>
-              <a:rPr lang="en-US" sz="1600" dirty="0" smtClean="0">
-                <a:solidFill>
-                  <a:schemeClr val="dk1"/>
-                </a:solidFill>
-              </a:rPr>
-              <a:t>h1, h2, p {</a:t>
-            </a:r>
-            <a:br>
-              <a:rPr lang="en-US" sz="1600" dirty="0" smtClean="0">
-                <a:solidFill>
-                  <a:schemeClr val="dk1"/>
-                </a:solidFill>
-              </a:rPr>
-            </a:br>
-            <a:r>
-              <a:rPr lang="en-US" sz="1600" dirty="0" smtClean="0">
-                <a:solidFill>
-                  <a:schemeClr val="dk1"/>
-                </a:solidFill>
-              </a:rPr>
-              <a:t>  text-align: center;</a:t>
-            </a:r>
-            <a:br>
-              <a:rPr lang="en-US" sz="1600" dirty="0" smtClean="0">
-                <a:solidFill>
-                  <a:schemeClr val="dk1"/>
-                </a:solidFill>
-              </a:rPr>
-            </a:br>
-            <a:r>
-              <a:rPr lang="en-US" sz="1600" dirty="0" smtClean="0">
-                <a:solidFill>
-                  <a:schemeClr val="dk1"/>
-                </a:solidFill>
-              </a:rPr>
-              <a:t>  color: red;</a:t>
-            </a:r>
-            <a:br>
-              <a:rPr lang="en-US" sz="1600" dirty="0" smtClean="0">
-                <a:solidFill>
-                  <a:schemeClr val="dk1"/>
-                </a:solidFill>
-              </a:rPr>
-            </a:br>
-            <a:r>
-              <a:rPr lang="en-US" sz="1600" dirty="0" smtClean="0">
-                <a:solidFill>
-                  <a:schemeClr val="dk1"/>
-                </a:solidFill>
-              </a:rPr>
-              <a:t>}</a:t>
-            </a:r>
-            <a:endParaRPr lang="en-US" sz="1600" dirty="0">
-              <a:solidFill>
-                <a:schemeClr val="dk1"/>
-              </a:solidFill>
-            </a:endParaRPr>
-          </a:p>
-        </p:txBody>
-      </p:sp>
-      <p:sp>
-        <p:nvSpPr>
-          <p:cNvPr id="15" name="Right Arrow 14"/>
-          <p:cNvSpPr/>
-          <p:nvPr/>
-        </p:nvSpPr>
-        <p:spPr>
-          <a:xfrm>
-            <a:off x="4856672" y="4123426"/>
-            <a:ext cx="1871932" cy="448574"/>
-          </a:xfrm>
-          <a:prstGeom prst="rightArrow">
-            <a:avLst/>
-          </a:prstGeom>
-        </p:spPr>
-        <p:style>
-          <a:lnRef idx="2">
-            <a:schemeClr val="accent1">
-              <a:shade val="50000"/>
-            </a:schemeClr>
-          </a:lnRef>
-          <a:fillRef idx="1">
-            <a:schemeClr val="accent1"/>
-          </a:fillRef>
-          <a:effectRef idx="0">
-            <a:schemeClr val="accent1"/>
-          </a:effectRef>
-          <a:fontRef idx="minor">
-            <a:schemeClr val="lt1"/>
-          </a:fontRef>
-        </p:style>
-        <p:txBody>
-          <a:bodyPr rtlCol="0" anchor="ctr"/>
-          <a:lstStyle/>
-          <a:p>
-            <a:pPr algn="ctr"/>
-            <a:endParaRPr lang="en-US"/>
-          </a:p>
-        </p:txBody>
-      </p:sp>
-    </p:spTree>
-    <p:extLst>
-      <p:ext uri="{BB962C8B-B14F-4D97-AF65-F5344CB8AC3E}">
-        <p14:creationId xmlns="" xmlns:p14="http://schemas.microsoft.com/office/powerpoint/2010/main" val="2848728424"/>
-      </p:ext>
-    </p:extLst>
-  </p:cSld>
-  <p:clrMapOvr>
-    <a:masterClrMapping/>
-  </p:clrMapOvr>
-  <p:timing>
-    <p:tnLst>
-      <p:par>
-        <p:cTn id="1" dur="indefinite" restart="never" nodeType="tmRoot"/>
-      </p:par>
-    </p:tnLst>
-  </p:timing>
-</p:sld>
-</file>
-
-<file path=ppt/slides/slide18.xml><?xml version="1.0" encoding="utf-8"?>
-<p:sld xmlns:a="http://schemas.openxmlformats.org/drawingml/2006/main" xmlns:r="http://schemas.openxmlformats.org/officeDocument/2006/relationships" xmlns:p="http://schemas.openxmlformats.org/presentationml/2006/main">
-  <p:cSld>
-    <p:spTree>
-      <p:nvGrpSpPr>
-        <p:cNvPr id="1" name=""/>
-        <p:cNvGrpSpPr/>
-        <p:nvPr/>
-      </p:nvGrpSpPr>
-      <p:grpSpPr>
-        <a:xfrm>
-          <a:off x="0" y="0"/>
-          <a:ext cx="0" cy="0"/>
-          <a:chOff x="0" y="0"/>
-          <a:chExt cx="0" cy="0"/>
-        </a:xfrm>
-      </p:grpSpPr>
-      <p:sp>
-        <p:nvSpPr>
-          <p:cNvPr id="2" name="Title 1"/>
-          <p:cNvSpPr>
-            <a:spLocks noGrp="1"/>
-          </p:cNvSpPr>
-          <p:nvPr>
-            <p:ph type="title"/>
-          </p:nvPr>
-        </p:nvSpPr>
-        <p:spPr/>
-        <p:txBody>
-          <a:bodyPr/>
-          <a:lstStyle/>
-          <a:p>
-            <a:r>
-              <a:rPr lang="en-US" dirty="0" smtClean="0"/>
-              <a:t>Question</a:t>
-            </a:r>
-            <a:endParaRPr lang="en-US" dirty="0"/>
-          </a:p>
-        </p:txBody>
-      </p:sp>
-      <p:sp>
-        <p:nvSpPr>
-          <p:cNvPr id="4" name="Content Placeholder 3"/>
-          <p:cNvSpPr>
-            <a:spLocks noGrp="1"/>
-          </p:cNvSpPr>
-          <p:nvPr>
-            <p:ph idx="1"/>
-          </p:nvPr>
-        </p:nvSpPr>
-        <p:spPr/>
-        <p:txBody>
-          <a:bodyPr/>
-          <a:lstStyle/>
-          <a:p>
-            <a:endParaRPr lang="en-US"/>
-          </a:p>
-        </p:txBody>
-      </p:sp>
-      <p:pic>
-        <p:nvPicPr>
-          <p:cNvPr id="10242" name="Picture 2"/>
-          <p:cNvPicPr>
-            <a:picLocks noChangeAspect="1" noChangeArrowheads="1"/>
-          </p:cNvPicPr>
-          <p:nvPr/>
-        </p:nvPicPr>
-        <p:blipFill>
-          <a:blip r:embed="rId2"/>
-          <a:srcRect/>
-          <a:stretch>
-            <a:fillRect/>
-          </a:stretch>
-        </p:blipFill>
-        <p:spPr bwMode="auto">
-          <a:xfrm>
-            <a:off x="888001" y="1785529"/>
-            <a:ext cx="8060055" cy="3387361"/>
-          </a:xfrm>
-          <a:prstGeom prst="rect">
-            <a:avLst/>
-          </a:prstGeom>
-          <a:noFill/>
-          <a:ln w="9525">
-            <a:noFill/>
-            <a:miter lim="800000"/>
-            <a:headEnd/>
-            <a:tailEnd/>
-          </a:ln>
-          <a:effectLst/>
-        </p:spPr>
-      </p:pic>
-    </p:spTree>
-  </p:cSld>
-  <p:clrMapOvr>
-    <a:masterClrMapping/>
-  </p:clrMapOvr>
-</p:sld>
-</file>
-
-<file path=ppt/slides/slide19.xml><?xml version="1.0" encoding="utf-8"?>
-<p:sld xmlns:a="http://schemas.openxmlformats.org/drawingml/2006/main" xmlns:r="http://schemas.openxmlformats.org/officeDocument/2006/relationships" xmlns:p="http://schemas.openxmlformats.org/presentationml/2006/main">
-  <p:cSld>
-    <p:spTree>
-      <p:nvGrpSpPr>
-        <p:cNvPr id="1" name=""/>
-        <p:cNvGrpSpPr/>
-        <p:nvPr/>
-      </p:nvGrpSpPr>
-      <p:grpSpPr>
-        <a:xfrm>
-          <a:off x="0" y="0"/>
-          <a:ext cx="0" cy="0"/>
-          <a:chOff x="0" y="0"/>
-          <a:chExt cx="0" cy="0"/>
-        </a:xfrm>
-      </p:grpSpPr>
-      <p:sp>
-        <p:nvSpPr>
-          <p:cNvPr id="2" name="Title 1"/>
-          <p:cNvSpPr>
-            <a:spLocks noGrp="1"/>
-          </p:cNvSpPr>
-          <p:nvPr>
-            <p:ph type="title"/>
-          </p:nvPr>
-        </p:nvSpPr>
-        <p:spPr/>
-        <p:txBody>
-          <a:bodyPr/>
-          <a:lstStyle/>
-          <a:p>
-            <a:r>
-              <a:rPr lang="en-US" dirty="0" smtClean="0"/>
-              <a:t>Question</a:t>
-            </a:r>
-            <a:endParaRPr lang="en-US" dirty="0"/>
-          </a:p>
-        </p:txBody>
-      </p:sp>
-      <p:sp>
-        <p:nvSpPr>
-          <p:cNvPr id="4" name="Content Placeholder 3"/>
-          <p:cNvSpPr>
-            <a:spLocks noGrp="1"/>
-          </p:cNvSpPr>
-          <p:nvPr>
-            <p:ph idx="1"/>
-          </p:nvPr>
-        </p:nvSpPr>
-        <p:spPr/>
-        <p:txBody>
-          <a:bodyPr/>
-          <a:lstStyle/>
-          <a:p>
-            <a:endParaRPr lang="en-US"/>
-          </a:p>
-        </p:txBody>
-      </p:sp>
-      <p:pic>
-        <p:nvPicPr>
-          <p:cNvPr id="11266" name="Picture 2"/>
-          <p:cNvPicPr>
-            <a:picLocks noChangeAspect="1" noChangeArrowheads="1"/>
-          </p:cNvPicPr>
-          <p:nvPr/>
-        </p:nvPicPr>
-        <p:blipFill>
-          <a:blip r:embed="rId2"/>
-          <a:srcRect/>
-          <a:stretch>
-            <a:fillRect/>
-          </a:stretch>
-        </p:blipFill>
-        <p:spPr bwMode="auto">
-          <a:xfrm>
-            <a:off x="940118" y="1854381"/>
-            <a:ext cx="6153013" cy="2913561"/>
-          </a:xfrm>
-          <a:prstGeom prst="rect">
-            <a:avLst/>
-          </a:prstGeom>
-          <a:noFill/>
-          <a:ln w="9525">
-            <a:noFill/>
-            <a:miter lim="800000"/>
-            <a:headEnd/>
-            <a:tailEnd/>
-          </a:ln>
-          <a:effectLst/>
-        </p:spPr>
-      </p:pic>
-    </p:spTree>
-  </p:cSld>
-  <p:clrMapOvr>
-    <a:masterClrMapping/>
-  </p:clrMapOvr>
-</p:sld>
-</file>
-
 <file path=ppt/slides/slide2.xml><?xml version="1.0" encoding="utf-8"?>
 <p:sld xmlns:a="http://schemas.openxmlformats.org/drawingml/2006/main" xmlns:r="http://schemas.openxmlformats.org/officeDocument/2006/relationships" xmlns:p="http://schemas.openxmlformats.org/presentationml/2006/main">
   <p:cSld>
@@ -6232,806 +5034,6 @@
           <a:xfrm>
             <a:off x="744583" y="1790700"/>
             <a:ext cx="10659291" cy="4191000"/>
-          </a:xfrm>
-          <a:prstGeom prst="rect">
-            <a:avLst/>
-          </a:prstGeom>
-          <a:noFill/>
-          <a:ln w="9525">
-            <a:noFill/>
-            <a:miter lim="800000"/>
-            <a:headEnd/>
-            <a:tailEnd/>
-          </a:ln>
-          <a:effectLst/>
-        </p:spPr>
-      </p:pic>
-    </p:spTree>
-  </p:cSld>
-  <p:clrMapOvr>
-    <a:masterClrMapping/>
-  </p:clrMapOvr>
-</p:sld>
-</file>
-
-<file path=ppt/slides/slide20.xml><?xml version="1.0" encoding="utf-8"?>
-<p:sld xmlns:a="http://schemas.openxmlformats.org/drawingml/2006/main" xmlns:r="http://schemas.openxmlformats.org/officeDocument/2006/relationships" xmlns:p="http://schemas.openxmlformats.org/presentationml/2006/main">
-  <p:cSld>
-    <p:spTree>
-      <p:nvGrpSpPr>
-        <p:cNvPr id="1" name=""/>
-        <p:cNvGrpSpPr/>
-        <p:nvPr/>
-      </p:nvGrpSpPr>
-      <p:grpSpPr>
-        <a:xfrm>
-          <a:off x="0" y="0"/>
-          <a:ext cx="0" cy="0"/>
-          <a:chOff x="0" y="0"/>
-          <a:chExt cx="0" cy="0"/>
-        </a:xfrm>
-      </p:grpSpPr>
-      <p:sp>
-        <p:nvSpPr>
-          <p:cNvPr id="2" name="Title 1"/>
-          <p:cNvSpPr>
-            <a:spLocks noGrp="1"/>
-          </p:cNvSpPr>
-          <p:nvPr>
-            <p:ph type="title"/>
-          </p:nvPr>
-        </p:nvSpPr>
-        <p:spPr/>
-        <p:txBody>
-          <a:bodyPr/>
-          <a:lstStyle/>
-          <a:p>
-            <a:r>
-              <a:rPr lang="en-US" dirty="0" smtClean="0"/>
-              <a:t>Question</a:t>
-            </a:r>
-            <a:endParaRPr lang="en-US" dirty="0"/>
-          </a:p>
-        </p:txBody>
-      </p:sp>
-      <p:sp>
-        <p:nvSpPr>
-          <p:cNvPr id="4" name="Content Placeholder 3"/>
-          <p:cNvSpPr>
-            <a:spLocks noGrp="1"/>
-          </p:cNvSpPr>
-          <p:nvPr>
-            <p:ph idx="1"/>
-          </p:nvPr>
-        </p:nvSpPr>
-        <p:spPr/>
-        <p:txBody>
-          <a:bodyPr/>
-          <a:lstStyle/>
-          <a:p>
-            <a:endParaRPr lang="en-US"/>
-          </a:p>
-        </p:txBody>
-      </p:sp>
-      <p:pic>
-        <p:nvPicPr>
-          <p:cNvPr id="12290" name="Picture 2"/>
-          <p:cNvPicPr>
-            <a:picLocks noChangeAspect="1" noChangeArrowheads="1"/>
-          </p:cNvPicPr>
-          <p:nvPr/>
-        </p:nvPicPr>
-        <p:blipFill>
-          <a:blip r:embed="rId2"/>
-          <a:srcRect/>
-          <a:stretch>
-            <a:fillRect/>
-          </a:stretch>
-        </p:blipFill>
-        <p:spPr bwMode="auto">
-          <a:xfrm>
-            <a:off x="919299" y="1793965"/>
-            <a:ext cx="7362552" cy="3156857"/>
-          </a:xfrm>
-          <a:prstGeom prst="rect">
-            <a:avLst/>
-          </a:prstGeom>
-          <a:noFill/>
-          <a:ln w="9525">
-            <a:noFill/>
-            <a:miter lim="800000"/>
-            <a:headEnd/>
-            <a:tailEnd/>
-          </a:ln>
-          <a:effectLst/>
-        </p:spPr>
-      </p:pic>
-    </p:spTree>
-  </p:cSld>
-  <p:clrMapOvr>
-    <a:masterClrMapping/>
-  </p:clrMapOvr>
-</p:sld>
-</file>
-
-<file path=ppt/slides/slide21.xml><?xml version="1.0" encoding="utf-8"?>
-<p:sld xmlns:a="http://schemas.openxmlformats.org/drawingml/2006/main" xmlns:r="http://schemas.openxmlformats.org/officeDocument/2006/relationships" xmlns:p="http://schemas.openxmlformats.org/presentationml/2006/main">
-  <p:cSld>
-    <p:spTree>
-      <p:nvGrpSpPr>
-        <p:cNvPr id="1" name=""/>
-        <p:cNvGrpSpPr/>
-        <p:nvPr/>
-      </p:nvGrpSpPr>
-      <p:grpSpPr>
-        <a:xfrm>
-          <a:off x="0" y="0"/>
-          <a:ext cx="0" cy="0"/>
-          <a:chOff x="0" y="0"/>
-          <a:chExt cx="0" cy="0"/>
-        </a:xfrm>
-      </p:grpSpPr>
-      <p:sp>
-        <p:nvSpPr>
-          <p:cNvPr id="2" name="Title 1"/>
-          <p:cNvSpPr>
-            <a:spLocks noGrp="1"/>
-          </p:cNvSpPr>
-          <p:nvPr>
-            <p:ph type="title"/>
-          </p:nvPr>
-        </p:nvSpPr>
-        <p:spPr/>
-        <p:txBody>
-          <a:bodyPr/>
-          <a:lstStyle/>
-          <a:p>
-            <a:r>
-              <a:rPr lang="en-US" dirty="0" smtClean="0"/>
-              <a:t>Question</a:t>
-            </a:r>
-            <a:endParaRPr lang="en-US" dirty="0"/>
-          </a:p>
-        </p:txBody>
-      </p:sp>
-      <p:sp>
-        <p:nvSpPr>
-          <p:cNvPr id="4" name="Content Placeholder 3"/>
-          <p:cNvSpPr>
-            <a:spLocks noGrp="1"/>
-          </p:cNvSpPr>
-          <p:nvPr>
-            <p:ph idx="1"/>
-          </p:nvPr>
-        </p:nvSpPr>
-        <p:spPr/>
-        <p:txBody>
-          <a:bodyPr/>
-          <a:lstStyle/>
-          <a:p>
-            <a:endParaRPr lang="en-US"/>
-          </a:p>
-        </p:txBody>
-      </p:sp>
-      <p:pic>
-        <p:nvPicPr>
-          <p:cNvPr id="14338" name="Picture 2"/>
-          <p:cNvPicPr>
-            <a:picLocks noChangeAspect="1" noChangeArrowheads="1"/>
-          </p:cNvPicPr>
-          <p:nvPr/>
-        </p:nvPicPr>
-        <p:blipFill>
-          <a:blip r:embed="rId2"/>
-          <a:srcRect/>
-          <a:stretch>
-            <a:fillRect/>
-          </a:stretch>
-        </p:blipFill>
-        <p:spPr bwMode="auto">
-          <a:xfrm>
-            <a:off x="812755" y="1798729"/>
-            <a:ext cx="7429908" cy="3844425"/>
-          </a:xfrm>
-          <a:prstGeom prst="rect">
-            <a:avLst/>
-          </a:prstGeom>
-          <a:noFill/>
-          <a:ln w="9525">
-            <a:noFill/>
-            <a:miter lim="800000"/>
-            <a:headEnd/>
-            <a:tailEnd/>
-          </a:ln>
-          <a:effectLst/>
-        </p:spPr>
-      </p:pic>
-    </p:spTree>
-  </p:cSld>
-  <p:clrMapOvr>
-    <a:masterClrMapping/>
-  </p:clrMapOvr>
-</p:sld>
-</file>
-
-<file path=ppt/slides/slide22.xml><?xml version="1.0" encoding="utf-8"?>
-<p:sld xmlns:a="http://schemas.openxmlformats.org/drawingml/2006/main" xmlns:r="http://schemas.openxmlformats.org/officeDocument/2006/relationships" xmlns:p="http://schemas.openxmlformats.org/presentationml/2006/main">
-  <p:cSld>
-    <p:spTree>
-      <p:nvGrpSpPr>
-        <p:cNvPr id="1" name=""/>
-        <p:cNvGrpSpPr/>
-        <p:nvPr/>
-      </p:nvGrpSpPr>
-      <p:grpSpPr>
-        <a:xfrm>
-          <a:off x="0" y="0"/>
-          <a:ext cx="0" cy="0"/>
-          <a:chOff x="0" y="0"/>
-          <a:chExt cx="0" cy="0"/>
-        </a:xfrm>
-      </p:grpSpPr>
-      <p:sp>
-        <p:nvSpPr>
-          <p:cNvPr id="2" name="Title 1"/>
-          <p:cNvSpPr>
-            <a:spLocks noGrp="1"/>
-          </p:cNvSpPr>
-          <p:nvPr>
-            <p:ph type="title"/>
-          </p:nvPr>
-        </p:nvSpPr>
-        <p:spPr/>
-        <p:txBody>
-          <a:bodyPr/>
-          <a:lstStyle/>
-          <a:p>
-            <a:r>
-              <a:rPr lang="en-US" dirty="0" smtClean="0"/>
-              <a:t>Question</a:t>
-            </a:r>
-            <a:endParaRPr lang="en-US" dirty="0"/>
-          </a:p>
-        </p:txBody>
-      </p:sp>
-      <p:sp>
-        <p:nvSpPr>
-          <p:cNvPr id="4" name="Content Placeholder 3"/>
-          <p:cNvSpPr>
-            <a:spLocks noGrp="1"/>
-          </p:cNvSpPr>
-          <p:nvPr>
-            <p:ph idx="1"/>
-          </p:nvPr>
-        </p:nvSpPr>
-        <p:spPr/>
-        <p:txBody>
-          <a:bodyPr/>
-          <a:lstStyle/>
-          <a:p>
-            <a:endParaRPr lang="en-US"/>
-          </a:p>
-        </p:txBody>
-      </p:sp>
-      <p:pic>
-        <p:nvPicPr>
-          <p:cNvPr id="15362" name="Picture 2"/>
-          <p:cNvPicPr>
-            <a:picLocks noChangeAspect="1" noChangeArrowheads="1"/>
-          </p:cNvPicPr>
-          <p:nvPr/>
-        </p:nvPicPr>
-        <p:blipFill>
-          <a:blip r:embed="rId2"/>
-          <a:srcRect/>
-          <a:stretch>
-            <a:fillRect/>
-          </a:stretch>
-        </p:blipFill>
-        <p:spPr bwMode="auto">
-          <a:xfrm>
-            <a:off x="821055" y="1854108"/>
-            <a:ext cx="7258050" cy="3162028"/>
-          </a:xfrm>
-          <a:prstGeom prst="rect">
-            <a:avLst/>
-          </a:prstGeom>
-          <a:noFill/>
-          <a:ln w="9525">
-            <a:noFill/>
-            <a:miter lim="800000"/>
-            <a:headEnd/>
-            <a:tailEnd/>
-          </a:ln>
-          <a:effectLst/>
-        </p:spPr>
-      </p:pic>
-    </p:spTree>
-  </p:cSld>
-  <p:clrMapOvr>
-    <a:masterClrMapping/>
-  </p:clrMapOvr>
-</p:sld>
-</file>
-
-<file path=ppt/slides/slide23.xml><?xml version="1.0" encoding="utf-8"?>
-<p:sld xmlns:a="http://schemas.openxmlformats.org/drawingml/2006/main" xmlns:r="http://schemas.openxmlformats.org/officeDocument/2006/relationships" xmlns:p="http://schemas.openxmlformats.org/presentationml/2006/main">
-  <p:cSld>
-    <p:spTree>
-      <p:nvGrpSpPr>
-        <p:cNvPr id="1" name=""/>
-        <p:cNvGrpSpPr/>
-        <p:nvPr/>
-      </p:nvGrpSpPr>
-      <p:grpSpPr>
-        <a:xfrm>
-          <a:off x="0" y="0"/>
-          <a:ext cx="0" cy="0"/>
-          <a:chOff x="0" y="0"/>
-          <a:chExt cx="0" cy="0"/>
-        </a:xfrm>
-      </p:grpSpPr>
-      <p:sp>
-        <p:nvSpPr>
-          <p:cNvPr id="2" name="Title 1"/>
-          <p:cNvSpPr>
-            <a:spLocks noGrp="1"/>
-          </p:cNvSpPr>
-          <p:nvPr>
-            <p:ph type="title"/>
-          </p:nvPr>
-        </p:nvSpPr>
-        <p:spPr/>
-        <p:txBody>
-          <a:bodyPr/>
-          <a:lstStyle/>
-          <a:p>
-            <a:r>
-              <a:rPr lang="en-US" dirty="0" smtClean="0"/>
-              <a:t>Question</a:t>
-            </a:r>
-            <a:endParaRPr lang="en-US" dirty="0"/>
-          </a:p>
-        </p:txBody>
-      </p:sp>
-      <p:sp>
-        <p:nvSpPr>
-          <p:cNvPr id="4" name="Content Placeholder 3"/>
-          <p:cNvSpPr>
-            <a:spLocks noGrp="1"/>
-          </p:cNvSpPr>
-          <p:nvPr>
-            <p:ph idx="1"/>
-          </p:nvPr>
-        </p:nvSpPr>
-        <p:spPr/>
-        <p:txBody>
-          <a:bodyPr/>
-          <a:lstStyle/>
-          <a:p>
-            <a:endParaRPr lang="en-US"/>
-          </a:p>
-        </p:txBody>
-      </p:sp>
-      <p:pic>
-        <p:nvPicPr>
-          <p:cNvPr id="16386" name="Picture 2"/>
-          <p:cNvPicPr>
-            <a:picLocks noChangeAspect="1" noChangeArrowheads="1"/>
-          </p:cNvPicPr>
-          <p:nvPr/>
-        </p:nvPicPr>
-        <p:blipFill>
-          <a:blip r:embed="rId2"/>
-          <a:srcRect/>
-          <a:stretch>
-            <a:fillRect/>
-          </a:stretch>
-        </p:blipFill>
-        <p:spPr bwMode="auto">
-          <a:xfrm>
-            <a:off x="855482" y="1841727"/>
-            <a:ext cx="8445272" cy="3566296"/>
-          </a:xfrm>
-          <a:prstGeom prst="rect">
-            <a:avLst/>
-          </a:prstGeom>
-          <a:noFill/>
-          <a:ln w="9525">
-            <a:noFill/>
-            <a:miter lim="800000"/>
-            <a:headEnd/>
-            <a:tailEnd/>
-          </a:ln>
-          <a:effectLst/>
-        </p:spPr>
-      </p:pic>
-    </p:spTree>
-  </p:cSld>
-  <p:clrMapOvr>
-    <a:masterClrMapping/>
-  </p:clrMapOvr>
-</p:sld>
-</file>
-
-<file path=ppt/slides/slide24.xml><?xml version="1.0" encoding="utf-8"?>
-<p:sld xmlns:a="http://schemas.openxmlformats.org/drawingml/2006/main" xmlns:r="http://schemas.openxmlformats.org/officeDocument/2006/relationships" xmlns:p="http://schemas.openxmlformats.org/presentationml/2006/main">
-  <p:cSld>
-    <p:spTree>
-      <p:nvGrpSpPr>
-        <p:cNvPr id="1" name=""/>
-        <p:cNvGrpSpPr/>
-        <p:nvPr/>
-      </p:nvGrpSpPr>
-      <p:grpSpPr>
-        <a:xfrm>
-          <a:off x="0" y="0"/>
-          <a:ext cx="0" cy="0"/>
-          <a:chOff x="0" y="0"/>
-          <a:chExt cx="0" cy="0"/>
-        </a:xfrm>
-      </p:grpSpPr>
-      <p:sp>
-        <p:nvSpPr>
-          <p:cNvPr id="2" name="Title 1"/>
-          <p:cNvSpPr>
-            <a:spLocks noGrp="1"/>
-          </p:cNvSpPr>
-          <p:nvPr>
-            <p:ph type="title"/>
-          </p:nvPr>
-        </p:nvSpPr>
-        <p:spPr/>
-        <p:txBody>
-          <a:bodyPr/>
-          <a:lstStyle/>
-          <a:p>
-            <a:r>
-              <a:rPr lang="en-US" dirty="0" smtClean="0"/>
-              <a:t>Question</a:t>
-            </a:r>
-            <a:endParaRPr lang="en-US" dirty="0"/>
-          </a:p>
-        </p:txBody>
-      </p:sp>
-      <p:sp>
-        <p:nvSpPr>
-          <p:cNvPr id="4" name="Content Placeholder 3"/>
-          <p:cNvSpPr>
-            <a:spLocks noGrp="1"/>
-          </p:cNvSpPr>
-          <p:nvPr>
-            <p:ph idx="1"/>
-          </p:nvPr>
-        </p:nvSpPr>
-        <p:spPr/>
-        <p:txBody>
-          <a:bodyPr/>
-          <a:lstStyle/>
-          <a:p>
-            <a:endParaRPr lang="en-US"/>
-          </a:p>
-        </p:txBody>
-      </p:sp>
-      <p:pic>
-        <p:nvPicPr>
-          <p:cNvPr id="17410" name="Picture 2"/>
-          <p:cNvPicPr>
-            <a:picLocks noChangeAspect="1" noChangeArrowheads="1"/>
-          </p:cNvPicPr>
-          <p:nvPr/>
-        </p:nvPicPr>
-        <p:blipFill>
-          <a:blip r:embed="rId2"/>
-          <a:srcRect/>
-          <a:stretch>
-            <a:fillRect/>
-          </a:stretch>
-        </p:blipFill>
-        <p:spPr bwMode="auto">
-          <a:xfrm>
-            <a:off x="731928" y="1776413"/>
-            <a:ext cx="7628301" cy="2743336"/>
-          </a:xfrm>
-          <a:prstGeom prst="rect">
-            <a:avLst/>
-          </a:prstGeom>
-          <a:noFill/>
-          <a:ln w="9525">
-            <a:noFill/>
-            <a:miter lim="800000"/>
-            <a:headEnd/>
-            <a:tailEnd/>
-          </a:ln>
-          <a:effectLst/>
-        </p:spPr>
-      </p:pic>
-    </p:spTree>
-  </p:cSld>
-  <p:clrMapOvr>
-    <a:masterClrMapping/>
-  </p:clrMapOvr>
-</p:sld>
-</file>
-
-<file path=ppt/slides/slide25.xml><?xml version="1.0" encoding="utf-8"?>
-<p:sld xmlns:a="http://schemas.openxmlformats.org/drawingml/2006/main" xmlns:r="http://schemas.openxmlformats.org/officeDocument/2006/relationships" xmlns:p="http://schemas.openxmlformats.org/presentationml/2006/main">
-  <p:cSld>
-    <p:spTree>
-      <p:nvGrpSpPr>
-        <p:cNvPr id="1" name=""/>
-        <p:cNvGrpSpPr/>
-        <p:nvPr/>
-      </p:nvGrpSpPr>
-      <p:grpSpPr>
-        <a:xfrm>
-          <a:off x="0" y="0"/>
-          <a:ext cx="0" cy="0"/>
-          <a:chOff x="0" y="0"/>
-          <a:chExt cx="0" cy="0"/>
-        </a:xfrm>
-      </p:grpSpPr>
-      <p:sp>
-        <p:nvSpPr>
-          <p:cNvPr id="2" name="Title 1"/>
-          <p:cNvSpPr>
-            <a:spLocks noGrp="1"/>
-          </p:cNvSpPr>
-          <p:nvPr>
-            <p:ph type="title"/>
-          </p:nvPr>
-        </p:nvSpPr>
-        <p:spPr/>
-        <p:txBody>
-          <a:bodyPr/>
-          <a:lstStyle/>
-          <a:p>
-            <a:r>
-              <a:rPr lang="en-US" dirty="0" smtClean="0"/>
-              <a:t>Question</a:t>
-            </a:r>
-            <a:endParaRPr lang="en-US" dirty="0"/>
-          </a:p>
-        </p:txBody>
-      </p:sp>
-      <p:sp>
-        <p:nvSpPr>
-          <p:cNvPr id="4" name="Content Placeholder 3"/>
-          <p:cNvSpPr>
-            <a:spLocks noGrp="1"/>
-          </p:cNvSpPr>
-          <p:nvPr>
-            <p:ph idx="1"/>
-          </p:nvPr>
-        </p:nvSpPr>
-        <p:spPr/>
-        <p:txBody>
-          <a:bodyPr/>
-          <a:lstStyle/>
-          <a:p>
-            <a:endParaRPr lang="en-US"/>
-          </a:p>
-        </p:txBody>
-      </p:sp>
-      <p:pic>
-        <p:nvPicPr>
-          <p:cNvPr id="18434" name="Picture 2"/>
-          <p:cNvPicPr>
-            <a:picLocks noChangeAspect="1" noChangeArrowheads="1"/>
-          </p:cNvPicPr>
-          <p:nvPr/>
-        </p:nvPicPr>
-        <p:blipFill>
-          <a:blip r:embed="rId2"/>
-          <a:srcRect/>
-          <a:stretch>
-            <a:fillRect/>
-          </a:stretch>
-        </p:blipFill>
-        <p:spPr bwMode="auto">
-          <a:xfrm>
-            <a:off x="745536" y="1725385"/>
-            <a:ext cx="7575504" cy="3434443"/>
-          </a:xfrm>
-          <a:prstGeom prst="rect">
-            <a:avLst/>
-          </a:prstGeom>
-          <a:noFill/>
-          <a:ln w="9525">
-            <a:noFill/>
-            <a:miter lim="800000"/>
-            <a:headEnd/>
-            <a:tailEnd/>
-          </a:ln>
-          <a:effectLst/>
-        </p:spPr>
-      </p:pic>
-    </p:spTree>
-  </p:cSld>
-  <p:clrMapOvr>
-    <a:masterClrMapping/>
-  </p:clrMapOvr>
-</p:sld>
-</file>
-
-<file path=ppt/slides/slide26.xml><?xml version="1.0" encoding="utf-8"?>
-<p:sld xmlns:a="http://schemas.openxmlformats.org/drawingml/2006/main" xmlns:r="http://schemas.openxmlformats.org/officeDocument/2006/relationships" xmlns:p="http://schemas.openxmlformats.org/presentationml/2006/main">
-  <p:cSld>
-    <p:spTree>
-      <p:nvGrpSpPr>
-        <p:cNvPr id="1" name=""/>
-        <p:cNvGrpSpPr/>
-        <p:nvPr/>
-      </p:nvGrpSpPr>
-      <p:grpSpPr>
-        <a:xfrm>
-          <a:off x="0" y="0"/>
-          <a:ext cx="0" cy="0"/>
-          <a:chOff x="0" y="0"/>
-          <a:chExt cx="0" cy="0"/>
-        </a:xfrm>
-      </p:grpSpPr>
-      <p:sp>
-        <p:nvSpPr>
-          <p:cNvPr id="2" name="Title 1"/>
-          <p:cNvSpPr>
-            <a:spLocks noGrp="1"/>
-          </p:cNvSpPr>
-          <p:nvPr>
-            <p:ph type="title"/>
-          </p:nvPr>
-        </p:nvSpPr>
-        <p:spPr/>
-        <p:txBody>
-          <a:bodyPr/>
-          <a:lstStyle/>
-          <a:p>
-            <a:r>
-              <a:rPr lang="en-US" dirty="0" smtClean="0"/>
-              <a:t>Question</a:t>
-            </a:r>
-            <a:endParaRPr lang="en-US" dirty="0"/>
-          </a:p>
-        </p:txBody>
-      </p:sp>
-      <p:sp>
-        <p:nvSpPr>
-          <p:cNvPr id="4" name="Content Placeholder 3"/>
-          <p:cNvSpPr>
-            <a:spLocks noGrp="1"/>
-          </p:cNvSpPr>
-          <p:nvPr>
-            <p:ph idx="1"/>
-          </p:nvPr>
-        </p:nvSpPr>
-        <p:spPr/>
-        <p:txBody>
-          <a:bodyPr/>
-          <a:lstStyle/>
-          <a:p>
-            <a:endParaRPr lang="en-US"/>
-          </a:p>
-        </p:txBody>
-      </p:sp>
-      <p:pic>
-        <p:nvPicPr>
-          <p:cNvPr id="19458" name="Picture 2"/>
-          <p:cNvPicPr>
-            <a:picLocks noChangeAspect="1" noChangeArrowheads="1"/>
-          </p:cNvPicPr>
-          <p:nvPr/>
-        </p:nvPicPr>
-        <p:blipFill>
-          <a:blip r:embed="rId2"/>
-          <a:srcRect/>
-          <a:stretch>
-            <a:fillRect/>
-          </a:stretch>
-        </p:blipFill>
-        <p:spPr bwMode="auto">
-          <a:xfrm>
-            <a:off x="778056" y="1728516"/>
-            <a:ext cx="6534150" cy="2895736"/>
-          </a:xfrm>
-          <a:prstGeom prst="rect">
-            <a:avLst/>
-          </a:prstGeom>
-          <a:noFill/>
-          <a:ln w="9525">
-            <a:noFill/>
-            <a:miter lim="800000"/>
-            <a:headEnd/>
-            <a:tailEnd/>
-          </a:ln>
-          <a:effectLst/>
-        </p:spPr>
-      </p:pic>
-    </p:spTree>
-  </p:cSld>
-  <p:clrMapOvr>
-    <a:masterClrMapping/>
-  </p:clrMapOvr>
-</p:sld>
-</file>
-
-<file path=ppt/slides/slide27.xml><?xml version="1.0" encoding="utf-8"?>
-<p:sld xmlns:a="http://schemas.openxmlformats.org/drawingml/2006/main" xmlns:r="http://schemas.openxmlformats.org/officeDocument/2006/relationships" xmlns:p="http://schemas.openxmlformats.org/presentationml/2006/main">
-  <p:cSld>
-    <p:spTree>
-      <p:nvGrpSpPr>
-        <p:cNvPr id="1" name=""/>
-        <p:cNvGrpSpPr/>
-        <p:nvPr/>
-      </p:nvGrpSpPr>
-      <p:grpSpPr>
-        <a:xfrm>
-          <a:off x="0" y="0"/>
-          <a:ext cx="0" cy="0"/>
-          <a:chOff x="0" y="0"/>
-          <a:chExt cx="0" cy="0"/>
-        </a:xfrm>
-      </p:grpSpPr>
-      <p:sp>
-        <p:nvSpPr>
-          <p:cNvPr id="2" name="Title 1"/>
-          <p:cNvSpPr>
-            <a:spLocks noGrp="1"/>
-          </p:cNvSpPr>
-          <p:nvPr>
-            <p:ph type="title"/>
-          </p:nvPr>
-        </p:nvSpPr>
-        <p:spPr/>
-        <p:txBody>
-          <a:bodyPr/>
-          <a:lstStyle/>
-          <a:p>
-            <a:r>
-              <a:rPr lang="en-US" dirty="0" smtClean="0"/>
-              <a:t>Question</a:t>
-            </a:r>
-            <a:endParaRPr lang="en-US" dirty="0"/>
-          </a:p>
-        </p:txBody>
-      </p:sp>
-      <p:sp>
-        <p:nvSpPr>
-          <p:cNvPr id="4" name="Content Placeholder 3"/>
-          <p:cNvSpPr>
-            <a:spLocks noGrp="1"/>
-          </p:cNvSpPr>
-          <p:nvPr>
-            <p:ph idx="1"/>
-          </p:nvPr>
-        </p:nvSpPr>
-        <p:spPr/>
-        <p:txBody>
-          <a:bodyPr/>
-          <a:lstStyle/>
-          <a:p>
-            <a:endParaRPr lang="en-US"/>
-          </a:p>
-        </p:txBody>
-      </p:sp>
-      <p:pic>
-        <p:nvPicPr>
-          <p:cNvPr id="20482" name="Picture 2"/>
-          <p:cNvPicPr>
-            <a:picLocks noChangeAspect="1" noChangeArrowheads="1"/>
-          </p:cNvPicPr>
-          <p:nvPr/>
-        </p:nvPicPr>
-        <p:blipFill>
-          <a:blip r:embed="rId2"/>
-          <a:srcRect/>
-          <a:stretch>
-            <a:fillRect/>
-          </a:stretch>
-        </p:blipFill>
-        <p:spPr bwMode="auto">
-          <a:xfrm>
-            <a:off x="867184" y="1834651"/>
-            <a:ext cx="7270976" cy="4148138"/>
           </a:xfrm>
           <a:prstGeom prst="rect">
             <a:avLst/>
@@ -7196,7 +5198,7 @@
         <p:spPr>
           <a:xfrm>
             <a:off x="462834" y="661929"/>
-            <a:ext cx="10811891" cy="6740307"/>
+            <a:ext cx="10811891" cy="4247317"/>
           </a:xfrm>
           <a:prstGeom prst="rect">
             <a:avLst/>
@@ -7251,74 +5253,6 @@
               <a:lnSpc>
                 <a:spcPct val="150000"/>
               </a:lnSpc>
-              <a:buFont typeface="Arial" pitchFamily="34" charset="0"/>
-              <a:buChar char="•"/>
-            </a:pPr>
-            <a:endParaRPr lang="en-IN" dirty="0" smtClean="0"/>
-          </a:p>
-          <a:p>
-            <a:pPr marL="285750" indent="-285750">
-              <a:lnSpc>
-                <a:spcPct val="150000"/>
-              </a:lnSpc>
-              <a:buFont typeface="Arial" pitchFamily="34" charset="0"/>
-              <a:buChar char="•"/>
-            </a:pPr>
-            <a:r>
-              <a:rPr lang="en-US" dirty="0" smtClean="0"/>
-              <a:t>Border Color</a:t>
-            </a:r>
-          </a:p>
-          <a:p>
-            <a:pPr marL="285750" indent="-285750">
-              <a:lnSpc>
-                <a:spcPct val="150000"/>
-              </a:lnSpc>
-              <a:buFont typeface="Arial" pitchFamily="34" charset="0"/>
-              <a:buChar char="•"/>
-            </a:pPr>
-            <a:endParaRPr lang="en-IN" dirty="0" smtClean="0"/>
-          </a:p>
-          <a:p>
-            <a:pPr marL="285750" indent="-285750">
-              <a:lnSpc>
-                <a:spcPct val="150000"/>
-              </a:lnSpc>
-              <a:buFont typeface="Arial" pitchFamily="34" charset="0"/>
-              <a:buChar char="•"/>
-            </a:pPr>
-            <a:endParaRPr lang="en-IN" dirty="0" smtClean="0"/>
-          </a:p>
-          <a:p>
-            <a:pPr marL="285750" indent="-285750">
-              <a:lnSpc>
-                <a:spcPct val="150000"/>
-              </a:lnSpc>
-              <a:buFont typeface="Arial" pitchFamily="34" charset="0"/>
-              <a:buChar char="•"/>
-            </a:pPr>
-            <a:r>
-              <a:rPr lang="en-US" dirty="0" smtClean="0"/>
-              <a:t>Background Color</a:t>
-            </a:r>
-          </a:p>
-          <a:p>
-            <a:pPr marL="285750" indent="-285750">
-              <a:lnSpc>
-                <a:spcPct val="150000"/>
-              </a:lnSpc>
-              <a:buFont typeface="Arial" pitchFamily="34" charset="0"/>
-              <a:buChar char="•"/>
-            </a:pPr>
-            <a:endParaRPr lang="en-IN" dirty="0" smtClean="0"/>
-          </a:p>
-          <a:p>
-            <a:pPr marL="285750" indent="-285750">
-              <a:lnSpc>
-                <a:spcPct val="150000"/>
-              </a:lnSpc>
-              <a:buFont typeface="Arial" pitchFamily="34" charset="0"/>
-              <a:buChar char="•"/>
             </a:pPr>
             <a:endParaRPr lang="en-IN" dirty="0" smtClean="0"/>
           </a:p>
@@ -7694,202 +5628,6 @@
       </p:sp>
       <p:sp>
         <p:nvSpPr>
-          <p:cNvPr id="16" name="Rectangle 15">
-            <a:extLst>
-              <a:ext uri="{FF2B5EF4-FFF2-40B4-BE49-F238E27FC236}">
-                <a16:creationId xmlns="" xmlns:a16="http://schemas.microsoft.com/office/drawing/2014/main" id="{206016ED-72BE-418C-807D-52DC06FF490C}"/>
-              </a:ext>
-            </a:extLst>
-          </p:cNvPr>
-          <p:cNvSpPr/>
-          <p:nvPr/>
-        </p:nvSpPr>
-        <p:spPr>
-          <a:xfrm>
-            <a:off x="1121537" y="4068791"/>
-            <a:ext cx="5046350" cy="468703"/>
-          </a:xfrm>
-          <a:prstGeom prst="rect">
-            <a:avLst/>
-          </a:prstGeom>
-          <a:gradFill flip="none" rotWithShape="1">
-            <a:gsLst>
-              <a:gs pos="0">
-                <a:schemeClr val="bg2"/>
-              </a:gs>
-              <a:gs pos="50000">
-                <a:schemeClr val="accent3">
-                  <a:lumMod val="20000"/>
-                  <a:lumOff val="80000"/>
-                  <a:shade val="67500"/>
-                  <a:satMod val="115000"/>
-                </a:schemeClr>
-              </a:gs>
-              <a:gs pos="100000">
-                <a:schemeClr val="accent3">
-                  <a:lumMod val="20000"/>
-                  <a:lumOff val="80000"/>
-                  <a:shade val="100000"/>
-                  <a:satMod val="115000"/>
-                </a:schemeClr>
-              </a:gs>
-            </a:gsLst>
-            <a:lin ang="6600000" scaled="0"/>
-            <a:tileRect/>
-          </a:gradFill>
-          <a:ln>
-            <a:solidFill>
-              <a:schemeClr val="tx1">
-                <a:lumMod val="50000"/>
-                <a:lumOff val="50000"/>
-              </a:schemeClr>
-            </a:solidFill>
-          </a:ln>
-        </p:spPr>
-        <p:style>
-          <a:lnRef idx="2">
-            <a:schemeClr val="accent1">
-              <a:shade val="50000"/>
-            </a:schemeClr>
-          </a:lnRef>
-          <a:fillRef idx="1">
-            <a:schemeClr val="accent1"/>
-          </a:fillRef>
-          <a:effectRef idx="0">
-            <a:schemeClr val="accent1"/>
-          </a:effectRef>
-          <a:fontRef idx="minor">
-            <a:schemeClr val="lt1"/>
-          </a:fontRef>
-        </p:style>
-        <p:txBody>
-          <a:bodyPr rtlCol="0" anchor="ctr"/>
-          <a:lstStyle/>
-          <a:p>
-            <a:r>
-              <a:rPr lang="en-US" sz="1400" dirty="0" smtClean="0">
-                <a:solidFill>
-                  <a:schemeClr val="tx1"/>
-                </a:solidFill>
-              </a:rPr>
-              <a:t>&lt;h1 style="background-</a:t>
-            </a:r>
-            <a:r>
-              <a:rPr lang="en-US" sz="1400" dirty="0" err="1" smtClean="0">
-                <a:solidFill>
-                  <a:schemeClr val="tx1"/>
-                </a:solidFill>
-              </a:rPr>
-              <a:t>color:DodgerBlue</a:t>
-            </a:r>
-            <a:r>
-              <a:rPr lang="en-US" sz="1400" dirty="0" smtClean="0">
-                <a:solidFill>
-                  <a:schemeClr val="tx1"/>
-                </a:solidFill>
-              </a:rPr>
-              <a:t>;"&gt;Hello World&lt;/h1&gt;</a:t>
-            </a:r>
-            <a:endParaRPr lang="en-US" sz="1400" dirty="0">
-              <a:solidFill>
-                <a:schemeClr val="tx1"/>
-              </a:solidFill>
-            </a:endParaRPr>
-          </a:p>
-        </p:txBody>
-      </p:sp>
-      <p:sp>
-        <p:nvSpPr>
-          <p:cNvPr id="10" name="Rectangle 9">
-            <a:extLst>
-              <a:ext uri="{FF2B5EF4-FFF2-40B4-BE49-F238E27FC236}">
-                <a16:creationId xmlns="" xmlns:a16="http://schemas.microsoft.com/office/drawing/2014/main" id="{206016ED-72BE-418C-807D-52DC06FF490C}"/>
-              </a:ext>
-            </a:extLst>
-          </p:cNvPr>
-          <p:cNvSpPr/>
-          <p:nvPr/>
-        </p:nvSpPr>
-        <p:spPr>
-          <a:xfrm>
-            <a:off x="1153167" y="2800713"/>
-            <a:ext cx="5023345" cy="439944"/>
-          </a:xfrm>
-          <a:prstGeom prst="rect">
-            <a:avLst/>
-          </a:prstGeom>
-          <a:gradFill flip="none" rotWithShape="1">
-            <a:gsLst>
-              <a:gs pos="0">
-                <a:schemeClr val="bg2"/>
-              </a:gs>
-              <a:gs pos="50000">
-                <a:schemeClr val="accent3">
-                  <a:lumMod val="20000"/>
-                  <a:lumOff val="80000"/>
-                  <a:shade val="67500"/>
-                  <a:satMod val="115000"/>
-                </a:schemeClr>
-              </a:gs>
-              <a:gs pos="100000">
-                <a:schemeClr val="accent3">
-                  <a:lumMod val="20000"/>
-                  <a:lumOff val="80000"/>
-                  <a:shade val="100000"/>
-                  <a:satMod val="115000"/>
-                </a:schemeClr>
-              </a:gs>
-            </a:gsLst>
-            <a:lin ang="6600000" scaled="0"/>
-            <a:tileRect/>
-          </a:gradFill>
-          <a:ln>
-            <a:solidFill>
-              <a:schemeClr val="tx1">
-                <a:lumMod val="50000"/>
-                <a:lumOff val="50000"/>
-              </a:schemeClr>
-            </a:solidFill>
-          </a:ln>
-        </p:spPr>
-        <p:style>
-          <a:lnRef idx="2">
-            <a:schemeClr val="accent1">
-              <a:shade val="50000"/>
-            </a:schemeClr>
-          </a:lnRef>
-          <a:fillRef idx="1">
-            <a:schemeClr val="accent1"/>
-          </a:fillRef>
-          <a:effectRef idx="0">
-            <a:schemeClr val="accent1"/>
-          </a:effectRef>
-          <a:fontRef idx="minor">
-            <a:schemeClr val="lt1"/>
-          </a:fontRef>
-        </p:style>
-        <p:txBody>
-          <a:bodyPr rtlCol="0" anchor="ctr"/>
-          <a:lstStyle/>
-          <a:p>
-            <a:r>
-              <a:rPr lang="en-US" sz="1600" dirty="0" smtClean="0">
-                <a:solidFill>
-                  <a:schemeClr val="tx1"/>
-                </a:solidFill>
-              </a:rPr>
-              <a:t>&lt;h1 style="border:2px solid Tomato;"&gt;Hello World&lt;/h1&gt;</a:t>
-            </a:r>
-            <a:endParaRPr lang="en-US" sz="1600" dirty="0">
-              <a:solidFill>
-                <a:schemeClr val="tx1"/>
-              </a:solidFill>
-            </a:endParaRPr>
-          </a:p>
-        </p:txBody>
-      </p:sp>
-      <p:sp>
-        <p:nvSpPr>
           <p:cNvPr id="11" name="Rectangle 10">
             <a:extLst>
               <a:ext uri="{FF2B5EF4-FFF2-40B4-BE49-F238E27FC236}">
@@ -7902,7 +5640,7 @@
         </p:nvSpPr>
         <p:spPr>
           <a:xfrm>
-            <a:off x="1127288" y="5213229"/>
+            <a:off x="1257916" y="3188486"/>
             <a:ext cx="5046350" cy="1040922"/>
           </a:xfrm>
           <a:prstGeom prst="rect">
@@ -7952,15 +5690,7 @@
                   <a:schemeClr val="tx1"/>
                 </a:solidFill>
               </a:rPr>
-              <a:t>(255, 99, 71</a:t>
-            </a:r>
-            <a:r>
-              <a:rPr lang="en-US" sz="1400" dirty="0" smtClean="0">
-                <a:solidFill>
-                  <a:schemeClr val="tx1"/>
-                </a:solidFill>
-              </a:rPr>
-              <a:t>)</a:t>
+              <a:t>(255, 99, 71)</a:t>
             </a:r>
           </a:p>
           <a:p>
@@ -7989,15 +5719,7 @@
                   <a:schemeClr val="tx1"/>
                 </a:solidFill>
               </a:rPr>
-              <a:t>#</a:t>
-            </a:r>
-            <a:r>
-              <a:rPr lang="en-US" sz="1400" dirty="0" smtClean="0">
-                <a:solidFill>
-                  <a:schemeClr val="tx1"/>
-                </a:solidFill>
-              </a:rPr>
-              <a:t>ff6347</a:t>
+              <a:t>#ff6347</a:t>
             </a:r>
           </a:p>
           <a:p>
